--- a/companion-website/public/files/25. Facts 3 and 4.pptx
+++ b/companion-website/public/files/25. Facts 3 and 4.pptx
@@ -216,7 +216,7 @@
           <a:p>
             <a:fld id="{8F7EB338-8BB0-B64B-9F79-C87EA24D723F}" type="datetimeFigureOut">
               <a:rPr lang="en-US" smtClean="0"/>
-              <a:t>7/14/20</a:t>
+              <a:t>11/28/20</a:t>
             </a:fld>
             <a:endParaRPr lang="en-US"/>
           </a:p>
@@ -919,7 +919,7 @@
             <a:fld id="{DBE77699-C466-4996-ADED-71C8160E04A2}" type="datetimeFigureOut">
               <a:rPr lang="en-US" smtClean="0"/>
               <a:pPr/>
-              <a:t>7/14/20</a:t>
+              <a:t>11/28/20</a:t>
             </a:fld>
             <a:endParaRPr lang="en-US"/>
           </a:p>
@@ -1084,7 +1084,7 @@
             <a:fld id="{DBE77699-C466-4996-ADED-71C8160E04A2}" type="datetimeFigureOut">
               <a:rPr lang="en-US" smtClean="0"/>
               <a:pPr/>
-              <a:t>7/14/20</a:t>
+              <a:t>11/28/20</a:t>
             </a:fld>
             <a:endParaRPr lang="en-US"/>
           </a:p>
@@ -1259,7 +1259,7 @@
             <a:fld id="{DBE77699-C466-4996-ADED-71C8160E04A2}" type="datetimeFigureOut">
               <a:rPr lang="en-US" smtClean="0"/>
               <a:pPr/>
-              <a:t>7/14/20</a:t>
+              <a:t>11/28/20</a:t>
             </a:fld>
             <a:endParaRPr lang="en-US"/>
           </a:p>
@@ -1378,7 +1378,7 @@
             <a:fld id="{DBE77699-C466-4996-ADED-71C8160E04A2}" type="datetimeFigureOut">
               <a:rPr lang="en-US" smtClean="0"/>
               <a:pPr/>
-              <a:t>7/14/20</a:t>
+              <a:t>11/28/20</a:t>
             </a:fld>
             <a:endParaRPr lang="en-US"/>
           </a:p>
@@ -1786,7 +1786,7 @@
             <a:fld id="{DBE77699-C466-4996-ADED-71C8160E04A2}" type="datetimeFigureOut">
               <a:rPr lang="en-US" smtClean="0"/>
               <a:pPr/>
-              <a:t>7/14/20</a:t>
+              <a:t>11/28/20</a:t>
             </a:fld>
             <a:endParaRPr lang="en-US"/>
           </a:p>
@@ -2028,7 +2028,7 @@
             <a:fld id="{DBE77699-C466-4996-ADED-71C8160E04A2}" type="datetimeFigureOut">
               <a:rPr lang="en-US" smtClean="0"/>
               <a:pPr/>
-              <a:t>7/14/20</a:t>
+              <a:t>11/28/20</a:t>
             </a:fld>
             <a:endParaRPr lang="en-US"/>
           </a:p>
@@ -2310,7 +2310,7 @@
             <a:fld id="{DBE77699-C466-4996-ADED-71C8160E04A2}" type="datetimeFigureOut">
               <a:rPr lang="en-US" smtClean="0"/>
               <a:pPr/>
-              <a:t>7/14/20</a:t>
+              <a:t>11/28/20</a:t>
             </a:fld>
             <a:endParaRPr lang="en-US"/>
           </a:p>
@@ -2726,7 +2726,7 @@
             <a:fld id="{DBE77699-C466-4996-ADED-71C8160E04A2}" type="datetimeFigureOut">
               <a:rPr lang="en-US" smtClean="0"/>
               <a:pPr/>
-              <a:t>7/14/20</a:t>
+              <a:t>11/28/20</a:t>
             </a:fld>
             <a:endParaRPr lang="en-US"/>
           </a:p>
@@ -2840,7 +2840,7 @@
             <a:fld id="{DBE77699-C466-4996-ADED-71C8160E04A2}" type="datetimeFigureOut">
               <a:rPr lang="en-US" smtClean="0"/>
               <a:pPr/>
-              <a:t>7/14/20</a:t>
+              <a:t>11/28/20</a:t>
             </a:fld>
             <a:endParaRPr lang="en-US"/>
           </a:p>
@@ -2932,7 +2932,7 @@
             <a:fld id="{DBE77699-C466-4996-ADED-71C8160E04A2}" type="datetimeFigureOut">
               <a:rPr lang="en-US" smtClean="0"/>
               <a:pPr/>
-              <a:t>7/14/20</a:t>
+              <a:t>11/28/20</a:t>
             </a:fld>
             <a:endParaRPr lang="en-US"/>
           </a:p>
@@ -3204,7 +3204,7 @@
             <a:fld id="{DBE77699-C466-4996-ADED-71C8160E04A2}" type="datetimeFigureOut">
               <a:rPr lang="en-US" smtClean="0"/>
               <a:pPr/>
-              <a:t>7/14/20</a:t>
+              <a:t>11/28/20</a:t>
             </a:fld>
             <a:endParaRPr lang="en-US"/>
           </a:p>
@@ -3453,7 +3453,7 @@
             <a:fld id="{DBE77699-C466-4996-ADED-71C8160E04A2}" type="datetimeFigureOut">
               <a:rPr lang="en-US" smtClean="0"/>
               <a:pPr/>
-              <a:t>7/14/20</a:t>
+              <a:t>11/28/20</a:t>
             </a:fld>
             <a:endParaRPr lang="en-US"/>
           </a:p>
@@ -3664,7 +3664,7 @@
             <a:fld id="{DBE77699-C466-4996-ADED-71C8160E04A2}" type="datetimeFigureOut">
               <a:rPr lang="en-US" smtClean="0"/>
               <a:pPr/>
-              <a:t>7/14/20</a:t>
+              <a:t>11/28/20</a:t>
             </a:fld>
             <a:endParaRPr lang="en-US"/>
           </a:p>
@@ -6877,7 +6877,7 @@
                     </a:schemeClr>
                   </a:solidFill>
                 </a:rPr>
-                <a:t>(Paul, Acts)</a:t>
+                <a:t>(Paul’s epistles, Acts)</a:t>
               </a:r>
             </a:p>
           </p:txBody>

--- a/companion-website/public/files/25. Facts 3 and 4.pptx
+++ b/companion-website/public/files/25. Facts 3 and 4.pptx
@@ -5,7 +5,7 @@
     <p:sldMasterId id="2147483648" r:id="rId1"/>
   </p:sldMasterIdLst>
   <p:notesMasterIdLst>
-    <p:notesMasterId r:id="rId11"/>
+    <p:notesMasterId r:id="rId12"/>
   </p:notesMasterIdLst>
   <p:sldIdLst>
     <p:sldId id="275" r:id="rId2"/>
@@ -17,6 +17,7 @@
     <p:sldId id="449" r:id="rId8"/>
     <p:sldId id="453" r:id="rId9"/>
     <p:sldId id="454" r:id="rId10"/>
+    <p:sldId id="455" r:id="rId11"/>
   </p:sldIdLst>
   <p:sldSz cx="9144000" cy="6858000" type="screen4x3"/>
   <p:notesSz cx="6858000" cy="9144000"/>
@@ -216,7 +217,7 @@
           <a:p>
             <a:fld id="{8F7EB338-8BB0-B64B-9F79-C87EA24D723F}" type="datetimeFigureOut">
               <a:rPr lang="en-US" smtClean="0"/>
-              <a:t>11/28/20</a:t>
+              <a:t>12/12/2020</a:t>
             </a:fld>
             <a:endParaRPr lang="en-US"/>
           </a:p>
@@ -919,7 +920,7 @@
             <a:fld id="{DBE77699-C466-4996-ADED-71C8160E04A2}" type="datetimeFigureOut">
               <a:rPr lang="en-US" smtClean="0"/>
               <a:pPr/>
-              <a:t>11/28/20</a:t>
+              <a:t>12/12/2020</a:t>
             </a:fld>
             <a:endParaRPr lang="en-US"/>
           </a:p>
@@ -1084,7 +1085,7 @@
             <a:fld id="{DBE77699-C466-4996-ADED-71C8160E04A2}" type="datetimeFigureOut">
               <a:rPr lang="en-US" smtClean="0"/>
               <a:pPr/>
-              <a:t>11/28/20</a:t>
+              <a:t>12/12/2020</a:t>
             </a:fld>
             <a:endParaRPr lang="en-US"/>
           </a:p>
@@ -1259,7 +1260,7 @@
             <a:fld id="{DBE77699-C466-4996-ADED-71C8160E04A2}" type="datetimeFigureOut">
               <a:rPr lang="en-US" smtClean="0"/>
               <a:pPr/>
-              <a:t>11/28/20</a:t>
+              <a:t>12/12/2020</a:t>
             </a:fld>
             <a:endParaRPr lang="en-US"/>
           </a:p>
@@ -1378,7 +1379,7 @@
             <a:fld id="{DBE77699-C466-4996-ADED-71C8160E04A2}" type="datetimeFigureOut">
               <a:rPr lang="en-US" smtClean="0"/>
               <a:pPr/>
-              <a:t>11/28/20</a:t>
+              <a:t>12/12/2020</a:t>
             </a:fld>
             <a:endParaRPr lang="en-US"/>
           </a:p>
@@ -1786,7 +1787,7 @@
             <a:fld id="{DBE77699-C466-4996-ADED-71C8160E04A2}" type="datetimeFigureOut">
               <a:rPr lang="en-US" smtClean="0"/>
               <a:pPr/>
-              <a:t>11/28/20</a:t>
+              <a:t>12/12/2020</a:t>
             </a:fld>
             <a:endParaRPr lang="en-US"/>
           </a:p>
@@ -2028,7 +2029,7 @@
             <a:fld id="{DBE77699-C466-4996-ADED-71C8160E04A2}" type="datetimeFigureOut">
               <a:rPr lang="en-US" smtClean="0"/>
               <a:pPr/>
-              <a:t>11/28/20</a:t>
+              <a:t>12/12/2020</a:t>
             </a:fld>
             <a:endParaRPr lang="en-US"/>
           </a:p>
@@ -2310,7 +2311,7 @@
             <a:fld id="{DBE77699-C466-4996-ADED-71C8160E04A2}" type="datetimeFigureOut">
               <a:rPr lang="en-US" smtClean="0"/>
               <a:pPr/>
-              <a:t>11/28/20</a:t>
+              <a:t>12/12/2020</a:t>
             </a:fld>
             <a:endParaRPr lang="en-US"/>
           </a:p>
@@ -2726,7 +2727,7 @@
             <a:fld id="{DBE77699-C466-4996-ADED-71C8160E04A2}" type="datetimeFigureOut">
               <a:rPr lang="en-US" smtClean="0"/>
               <a:pPr/>
-              <a:t>11/28/20</a:t>
+              <a:t>12/12/2020</a:t>
             </a:fld>
             <a:endParaRPr lang="en-US"/>
           </a:p>
@@ -2840,7 +2841,7 @@
             <a:fld id="{DBE77699-C466-4996-ADED-71C8160E04A2}" type="datetimeFigureOut">
               <a:rPr lang="en-US" smtClean="0"/>
               <a:pPr/>
-              <a:t>11/28/20</a:t>
+              <a:t>12/12/2020</a:t>
             </a:fld>
             <a:endParaRPr lang="en-US"/>
           </a:p>
@@ -2932,7 +2933,7 @@
             <a:fld id="{DBE77699-C466-4996-ADED-71C8160E04A2}" type="datetimeFigureOut">
               <a:rPr lang="en-US" smtClean="0"/>
               <a:pPr/>
-              <a:t>11/28/20</a:t>
+              <a:t>12/12/2020</a:t>
             </a:fld>
             <a:endParaRPr lang="en-US"/>
           </a:p>
@@ -3204,7 +3205,7 @@
             <a:fld id="{DBE77699-C466-4996-ADED-71C8160E04A2}" type="datetimeFigureOut">
               <a:rPr lang="en-US" smtClean="0"/>
               <a:pPr/>
-              <a:t>11/28/20</a:t>
+              <a:t>12/12/2020</a:t>
             </a:fld>
             <a:endParaRPr lang="en-US"/>
           </a:p>
@@ -3453,7 +3454,7 @@
             <a:fld id="{DBE77699-C466-4996-ADED-71C8160E04A2}" type="datetimeFigureOut">
               <a:rPr lang="en-US" smtClean="0"/>
               <a:pPr/>
-              <a:t>11/28/20</a:t>
+              <a:t>12/12/2020</a:t>
             </a:fld>
             <a:endParaRPr lang="en-US"/>
           </a:p>
@@ -3664,7 +3665,7 @@
             <a:fld id="{DBE77699-C466-4996-ADED-71C8160E04A2}" type="datetimeFigureOut">
               <a:rPr lang="en-US" smtClean="0"/>
               <a:pPr/>
-              <a:t>11/28/20</a:t>
+              <a:t>12/12/2020</a:t>
             </a:fld>
             <a:endParaRPr lang="en-US"/>
           </a:p>
@@ -4868,6 +4869,611 @@
   <p:clrMapOvr>
     <a:masterClrMapping/>
   </p:clrMapOvr>
+</p:sld>
+</file>
+
+<file path=ppt/slides/slide10.xml><?xml version="1.0" encoding="utf-8"?>
+<p:sld xmlns:a="http://schemas.openxmlformats.org/drawingml/2006/main" xmlns:r="http://schemas.openxmlformats.org/officeDocument/2006/relationships" xmlns:p="http://schemas.openxmlformats.org/presentationml/2006/main" show="0">
+  <p:cSld>
+    <p:spTree>
+      <p:nvGrpSpPr>
+        <p:cNvPr id="1" name=""/>
+        <p:cNvGrpSpPr/>
+        <p:nvPr/>
+      </p:nvGrpSpPr>
+      <p:grpSpPr>
+        <a:xfrm>
+          <a:off x="0" y="0"/>
+          <a:ext cx="0" cy="0"/>
+          <a:chOff x="0" y="0"/>
+          <a:chExt cx="0" cy="0"/>
+        </a:xfrm>
+      </p:grpSpPr>
+      <p:pic>
+        <p:nvPicPr>
+          <p:cNvPr id="12" name="Picture 2">
+            <a:extLst>
+              <a:ext uri="{FF2B5EF4-FFF2-40B4-BE49-F238E27FC236}">
+                <a16:creationId xmlns:a16="http://schemas.microsoft.com/office/drawing/2014/main" id="{7F3A231B-5D70-D046-B1D4-165C06312D6D}"/>
+              </a:ext>
+            </a:extLst>
+          </p:cNvPr>
+          <p:cNvPicPr>
+            <a:picLocks noChangeAspect="1" noChangeArrowheads="1"/>
+          </p:cNvPicPr>
+          <p:nvPr/>
+        </p:nvPicPr>
+        <p:blipFill>
+          <a:blip r:embed="rId2" cstate="print">
+            <a:extLst>
+              <a:ext uri="{28A0092B-C50C-407E-A947-70E740481C1C}">
+                <a14:useLocalDpi xmlns:a14="http://schemas.microsoft.com/office/drawing/2010/main" val="0"/>
+              </a:ext>
+            </a:extLst>
+          </a:blip>
+          <a:srcRect/>
+          <a:stretch/>
+        </p:blipFill>
+        <p:spPr bwMode="auto">
+          <a:xfrm>
+            <a:off x="4401837" y="2286000"/>
+            <a:ext cx="5123164" cy="2900182"/>
+          </a:xfrm>
+          <a:prstGeom prst="rect">
+            <a:avLst/>
+          </a:prstGeom>
+          <a:noFill/>
+          <a:extLst>
+            <a:ext uri="{909E8E84-426E-40DD-AFC4-6F175D3DCCD1}">
+              <a14:hiddenFill xmlns:a14="http://schemas.microsoft.com/office/drawing/2010/main">
+                <a:solidFill>
+                  <a:srgbClr val="FFFFFF"/>
+                </a:solidFill>
+              </a14:hiddenFill>
+            </a:ext>
+          </a:extLst>
+        </p:spPr>
+      </p:pic>
+      <p:sp>
+        <p:nvSpPr>
+          <p:cNvPr id="5" name="Rectangle 4"/>
+          <p:cNvSpPr/>
+          <p:nvPr/>
+        </p:nvSpPr>
+        <p:spPr>
+          <a:xfrm>
+            <a:off x="381000" y="2819400"/>
+            <a:ext cx="4903487" cy="2246769"/>
+          </a:xfrm>
+          <a:prstGeom prst="rect">
+            <a:avLst/>
+          </a:prstGeom>
+          <a:noFill/>
+          <a:ln>
+            <a:noFill/>
+          </a:ln>
+          <a:effectLst/>
+        </p:spPr>
+        <p:style>
+          <a:lnRef idx="1">
+            <a:schemeClr val="accent1"/>
+          </a:lnRef>
+          <a:fillRef idx="3">
+            <a:schemeClr val="accent1"/>
+          </a:fillRef>
+          <a:effectRef idx="2">
+            <a:schemeClr val="accent1"/>
+          </a:effectRef>
+          <a:fontRef idx="minor">
+            <a:schemeClr val="lt1"/>
+          </a:fontRef>
+        </p:style>
+        <p:txBody>
+          <a:bodyPr rtlCol="0" anchor="ctr"/>
+          <a:lstStyle/>
+          <a:p>
+            <a:endParaRPr lang="en-US" dirty="0"/>
+          </a:p>
+        </p:txBody>
+      </p:sp>
+      <p:sp>
+        <p:nvSpPr>
+          <p:cNvPr id="7" name="Rectangle 6"/>
+          <p:cNvSpPr/>
+          <p:nvPr/>
+        </p:nvSpPr>
+        <p:spPr>
+          <a:xfrm rot="5400000">
+            <a:off x="2326988" y="2914599"/>
+            <a:ext cx="49492" cy="3669094"/>
+          </a:xfrm>
+          <a:prstGeom prst="rect">
+            <a:avLst/>
+          </a:prstGeom>
+          <a:solidFill>
+            <a:srgbClr val="009EC0"/>
+          </a:solidFill>
+          <a:ln>
+            <a:noFill/>
+          </a:ln>
+          <a:effectLst/>
+        </p:spPr>
+        <p:style>
+          <a:lnRef idx="1">
+            <a:schemeClr val="accent1"/>
+          </a:lnRef>
+          <a:fillRef idx="3">
+            <a:schemeClr val="accent1"/>
+          </a:fillRef>
+          <a:effectRef idx="2">
+            <a:schemeClr val="accent1"/>
+          </a:effectRef>
+          <a:fontRef idx="minor">
+            <a:schemeClr val="lt1"/>
+          </a:fontRef>
+        </p:style>
+        <p:txBody>
+          <a:bodyPr rtlCol="0" anchor="ctr"/>
+          <a:lstStyle/>
+          <a:p>
+            <a:pPr algn="ctr"/>
+            <a:endParaRPr lang="en-US"/>
+          </a:p>
+        </p:txBody>
+      </p:sp>
+      <p:sp>
+        <p:nvSpPr>
+          <p:cNvPr id="8" name="TextBox 7"/>
+          <p:cNvSpPr txBox="1"/>
+          <p:nvPr/>
+        </p:nvSpPr>
+        <p:spPr>
+          <a:xfrm>
+            <a:off x="439096" y="1382085"/>
+            <a:ext cx="3747185" cy="2062103"/>
+          </a:xfrm>
+          <a:prstGeom prst="rect">
+            <a:avLst/>
+          </a:prstGeom>
+          <a:noFill/>
+        </p:spPr>
+        <p:txBody>
+          <a:bodyPr wrap="square" rtlCol="0">
+            <a:spAutoFit/>
+          </a:bodyPr>
+          <a:lstStyle/>
+          <a:p>
+            <a:r>
+              <a:rPr lang="en-US" sz="3200" dirty="0"/>
+              <a:t>Roman Authorities Investigating Jesus For Violating Stay-In-Tomb Order</a:t>
+            </a:r>
+            <a:endParaRPr lang="en-US" sz="3200" dirty="0">
+              <a:latin typeface="Avenir Book"/>
+              <a:cs typeface="Avenir Book"/>
+            </a:endParaRPr>
+          </a:p>
+        </p:txBody>
+      </p:sp>
+      <p:sp>
+        <p:nvSpPr>
+          <p:cNvPr id="10" name="Rectangle 9"/>
+          <p:cNvSpPr/>
+          <p:nvPr/>
+        </p:nvSpPr>
+        <p:spPr>
+          <a:xfrm>
+            <a:off x="356243" y="5045093"/>
+            <a:ext cx="4952999" cy="1458391"/>
+          </a:xfrm>
+          <a:prstGeom prst="rect">
+            <a:avLst/>
+          </a:prstGeom>
+          <a:noFill/>
+          <a:ln>
+            <a:noFill/>
+          </a:ln>
+        </p:spPr>
+        <p:style>
+          <a:lnRef idx="1">
+            <a:schemeClr val="accent1"/>
+          </a:lnRef>
+          <a:fillRef idx="3">
+            <a:schemeClr val="accent1"/>
+          </a:fillRef>
+          <a:effectRef idx="2">
+            <a:schemeClr val="accent1"/>
+          </a:effectRef>
+          <a:fontRef idx="minor">
+            <a:schemeClr val="lt1"/>
+          </a:fontRef>
+        </p:style>
+        <p:txBody>
+          <a:bodyPr lIns="164592" rtlCol="0" anchor="t"/>
+          <a:lstStyle/>
+          <a:p>
+            <a:r>
+              <a:rPr lang="en-US" sz="2000" b="1" dirty="0">
+                <a:solidFill>
+                  <a:schemeClr val="tx1"/>
+                </a:solidFill>
+              </a:rPr>
+              <a:t>BABYLON BEE</a:t>
+            </a:r>
+            <a:br>
+              <a:rPr lang="en-US" sz="2000" b="1" dirty="0">
+                <a:solidFill>
+                  <a:schemeClr val="tx1"/>
+                </a:solidFill>
+              </a:rPr>
+            </a:br>
+            <a:r>
+              <a:rPr lang="en-US" sz="2000" i="1" dirty="0">
+                <a:solidFill>
+                  <a:schemeClr val="tx1"/>
+                </a:solidFill>
+              </a:rPr>
+              <a:t>April 12th, 2020</a:t>
+            </a:r>
+            <a:br>
+              <a:rPr lang="en-US" sz="2000" i="1" dirty="0">
+                <a:solidFill>
+                  <a:schemeClr val="tx1"/>
+                </a:solidFill>
+              </a:rPr>
+            </a:br>
+            <a:r>
+              <a:rPr lang="en-US" sz="2000" i="1" dirty="0">
+                <a:solidFill>
+                  <a:schemeClr val="tx1"/>
+                </a:solidFill>
+              </a:rPr>
+              <a:t>http://</a:t>
+            </a:r>
+            <a:r>
+              <a:rPr lang="en-US" sz="2000" i="1" dirty="0" err="1">
+                <a:solidFill>
+                  <a:schemeClr val="tx1"/>
+                </a:solidFill>
+              </a:rPr>
+              <a:t>bit.ly</a:t>
+            </a:r>
+            <a:r>
+              <a:rPr lang="en-US" sz="2000" i="1" dirty="0">
+                <a:solidFill>
+                  <a:schemeClr val="tx1"/>
+                </a:solidFill>
+              </a:rPr>
+              <a:t>/Ai1LStayInTomb</a:t>
+            </a:r>
+          </a:p>
+        </p:txBody>
+      </p:sp>
+    </p:spTree>
+    <p:extLst>
+      <p:ext uri="{BB962C8B-B14F-4D97-AF65-F5344CB8AC3E}">
+        <p14:creationId xmlns:p14="http://schemas.microsoft.com/office/powerpoint/2010/main" val="2466166306"/>
+      </p:ext>
+    </p:extLst>
+  </p:cSld>
+  <p:clrMapOvr>
+    <a:masterClrMapping/>
+  </p:clrMapOvr>
+  <p:timing>
+    <p:tnLst>
+      <p:par>
+        <p:cTn id="1" dur="indefinite" restart="never" nodeType="tmRoot">
+          <p:childTnLst>
+            <p:seq concurrent="1" nextAc="seek">
+              <p:cTn id="2" dur="indefinite" nodeType="mainSeq">
+                <p:childTnLst>
+                  <p:par>
+                    <p:cTn id="3" fill="hold">
+                      <p:stCondLst>
+                        <p:cond delay="indefinite"/>
+                        <p:cond evt="onBegin" delay="0">
+                          <p:tn val="2"/>
+                        </p:cond>
+                      </p:stCondLst>
+                      <p:childTnLst>
+                        <p:par>
+                          <p:cTn id="4" fill="hold">
+                            <p:stCondLst>
+                              <p:cond delay="0"/>
+                            </p:stCondLst>
+                            <p:childTnLst>
+                              <p:par>
+                                <p:cTn id="5" presetID="10" presetClass="entr" presetSubtype="0" fill="hold" nodeType="afterEffect">
+                                  <p:stCondLst>
+                                    <p:cond delay="0"/>
+                                  </p:stCondLst>
+                                  <p:childTnLst>
+                                    <p:set>
+                                      <p:cBhvr>
+                                        <p:cTn id="6" dur="1" fill="hold">
+                                          <p:stCondLst>
+                                            <p:cond delay="0"/>
+                                          </p:stCondLst>
+                                        </p:cTn>
+                                        <p:tgtEl>
+                                          <p:spTgt spid="12"/>
+                                        </p:tgtEl>
+                                        <p:attrNameLst>
+                                          <p:attrName>style.visibility</p:attrName>
+                                        </p:attrNameLst>
+                                      </p:cBhvr>
+                                      <p:to>
+                                        <p:strVal val="visible"/>
+                                      </p:to>
+                                    </p:set>
+                                    <p:animEffect transition="in" filter="fade">
+                                      <p:cBhvr>
+                                        <p:cTn id="7" dur="250"/>
+                                        <p:tgtEl>
+                                          <p:spTgt spid="12"/>
+                                        </p:tgtEl>
+                                      </p:cBhvr>
+                                    </p:animEffect>
+                                  </p:childTnLst>
+                                </p:cTn>
+                              </p:par>
+                            </p:childTnLst>
+                          </p:cTn>
+                        </p:par>
+                        <p:par>
+                          <p:cTn id="8" fill="hold">
+                            <p:stCondLst>
+                              <p:cond delay="250"/>
+                            </p:stCondLst>
+                            <p:childTnLst>
+                              <p:par>
+                                <p:cTn id="9" presetID="10" presetClass="entr" presetSubtype="0" fill="hold" grpId="0" nodeType="afterEffect">
+                                  <p:stCondLst>
+                                    <p:cond delay="500"/>
+                                  </p:stCondLst>
+                                  <p:childTnLst>
+                                    <p:set>
+                                      <p:cBhvr>
+                                        <p:cTn id="10" dur="1" fill="hold">
+                                          <p:stCondLst>
+                                            <p:cond delay="0"/>
+                                          </p:stCondLst>
+                                        </p:cTn>
+                                        <p:tgtEl>
+                                          <p:spTgt spid="7"/>
+                                        </p:tgtEl>
+                                        <p:attrNameLst>
+                                          <p:attrName>style.visibility</p:attrName>
+                                        </p:attrNameLst>
+                                      </p:cBhvr>
+                                      <p:to>
+                                        <p:strVal val="visible"/>
+                                      </p:to>
+                                    </p:set>
+                                    <p:animEffect transition="in" filter="fade">
+                                      <p:cBhvr>
+                                        <p:cTn id="11" dur="250"/>
+                                        <p:tgtEl>
+                                          <p:spTgt spid="7"/>
+                                        </p:tgtEl>
+                                      </p:cBhvr>
+                                    </p:animEffect>
+                                  </p:childTnLst>
+                                </p:cTn>
+                              </p:par>
+                              <p:par>
+                                <p:cTn id="12" presetID="1" presetClass="entr" presetSubtype="0" fill="hold" grpId="1" nodeType="withEffect" nodePh="1">
+                                  <p:stCondLst>
+                                    <p:cond delay="0"/>
+                                  </p:stCondLst>
+                                  <p:endCondLst>
+                                    <p:cond evt="begin" delay="0">
+                                      <p:tn val="12"/>
+                                    </p:cond>
+                                  </p:endCondLst>
+                                  <p:childTnLst>
+                                    <p:set>
+                                      <p:cBhvr>
+                                        <p:cTn id="13" dur="1" fill="hold">
+                                          <p:stCondLst>
+                                            <p:cond delay="0"/>
+                                          </p:stCondLst>
+                                        </p:cTn>
+                                        <p:tgtEl>
+                                          <p:spTgt spid="5"/>
+                                        </p:tgtEl>
+                                        <p:attrNameLst>
+                                          <p:attrName>style.visibility</p:attrName>
+                                        </p:attrNameLst>
+                                      </p:cBhvr>
+                                      <p:to>
+                                        <p:strVal val="visible"/>
+                                      </p:to>
+                                    </p:set>
+                                  </p:childTnLst>
+                                </p:cTn>
+                              </p:par>
+                            </p:childTnLst>
+                          </p:cTn>
+                        </p:par>
+                        <p:par>
+                          <p:cTn id="14" fill="hold">
+                            <p:stCondLst>
+                              <p:cond delay="1000"/>
+                            </p:stCondLst>
+                            <p:childTnLst>
+                              <p:par>
+                                <p:cTn id="15" presetID="0" presetClass="path" presetSubtype="0" accel="50000" decel="50000" fill="hold" grpId="0" nodeType="afterEffect" nodePh="1">
+                                  <p:stCondLst>
+                                    <p:cond delay="0"/>
+                                  </p:stCondLst>
+                                  <p:endCondLst>
+                                    <p:cond evt="begin" delay="0">
+                                      <p:tn val="15"/>
+                                    </p:cond>
+                                  </p:endCondLst>
+                                  <p:childTnLst>
+                                    <p:animMotion origin="layout" path="M 0.04236 -7.40741E-7 L -8.33333E-7 -7.40741E-7 " pathEditMode="relative" rAng="0" ptsTypes="AA">
+                                      <p:cBhvr>
+                                        <p:cTn id="16" dur="300" fill="hold"/>
+                                        <p:tgtEl>
+                                          <p:spTgt spid="5"/>
+                                        </p:tgtEl>
+                                        <p:attrNameLst>
+                                          <p:attrName>ppt_x</p:attrName>
+                                          <p:attrName>ppt_y</p:attrName>
+                                        </p:attrNameLst>
+                                      </p:cBhvr>
+                                      <p:rCtr x="-2118" y="0"/>
+                                    </p:animMotion>
+                                  </p:childTnLst>
+                                </p:cTn>
+                              </p:par>
+                            </p:childTnLst>
+                          </p:cTn>
+                        </p:par>
+                        <p:par>
+                          <p:cTn id="17" fill="hold">
+                            <p:stCondLst>
+                              <p:cond delay="1300"/>
+                            </p:stCondLst>
+                            <p:childTnLst>
+                              <p:par>
+                                <p:cTn id="18" presetID="10" presetClass="entr" presetSubtype="0" fill="hold" grpId="0" nodeType="afterEffect">
+                                  <p:stCondLst>
+                                    <p:cond delay="0"/>
+                                  </p:stCondLst>
+                                  <p:childTnLst>
+                                    <p:set>
+                                      <p:cBhvr>
+                                        <p:cTn id="19" dur="1" fill="hold">
+                                          <p:stCondLst>
+                                            <p:cond delay="0"/>
+                                          </p:stCondLst>
+                                        </p:cTn>
+                                        <p:tgtEl>
+                                          <p:spTgt spid="8"/>
+                                        </p:tgtEl>
+                                        <p:attrNameLst>
+                                          <p:attrName>style.visibility</p:attrName>
+                                        </p:attrNameLst>
+                                      </p:cBhvr>
+                                      <p:to>
+                                        <p:strVal val="visible"/>
+                                      </p:to>
+                                    </p:set>
+                                    <p:animEffect transition="in" filter="fade">
+                                      <p:cBhvr>
+                                        <p:cTn id="20" dur="300"/>
+                                        <p:tgtEl>
+                                          <p:spTgt spid="8"/>
+                                        </p:tgtEl>
+                                      </p:cBhvr>
+                                    </p:animEffect>
+                                  </p:childTnLst>
+                                </p:cTn>
+                              </p:par>
+                              <p:par>
+                                <p:cTn id="21" presetID="0" presetClass="path" presetSubtype="0" accel="50000" decel="50000" fill="hold" grpId="1" nodeType="withEffect">
+                                  <p:stCondLst>
+                                    <p:cond delay="0"/>
+                                  </p:stCondLst>
+                                  <p:childTnLst>
+                                    <p:animMotion origin="layout" path="M -1.38889E-6 0.0169 L -1.38889E-6 -1.85185E-6 " pathEditMode="relative" rAng="0" ptsTypes="AA">
+                                      <p:cBhvr>
+                                        <p:cTn id="22" dur="200" fill="hold"/>
+                                        <p:tgtEl>
+                                          <p:spTgt spid="8"/>
+                                        </p:tgtEl>
+                                        <p:attrNameLst>
+                                          <p:attrName>ppt_x</p:attrName>
+                                          <p:attrName>ppt_y</p:attrName>
+                                        </p:attrNameLst>
+                                      </p:cBhvr>
+                                      <p:rCtr x="0" y="-856"/>
+                                    </p:animMotion>
+                                  </p:childTnLst>
+                                </p:cTn>
+                              </p:par>
+                            </p:childTnLst>
+                          </p:cTn>
+                        </p:par>
+                        <p:par>
+                          <p:cTn id="23" fill="hold">
+                            <p:stCondLst>
+                              <p:cond delay="1600"/>
+                            </p:stCondLst>
+                            <p:childTnLst>
+                              <p:par>
+                                <p:cTn id="24" presetID="10" presetClass="entr" presetSubtype="0" fill="hold" grpId="0" nodeType="afterEffect">
+                                  <p:stCondLst>
+                                    <p:cond delay="0"/>
+                                  </p:stCondLst>
+                                  <p:childTnLst>
+                                    <p:set>
+                                      <p:cBhvr>
+                                        <p:cTn id="25" dur="1" fill="hold">
+                                          <p:stCondLst>
+                                            <p:cond delay="0"/>
+                                          </p:stCondLst>
+                                        </p:cTn>
+                                        <p:tgtEl>
+                                          <p:spTgt spid="10"/>
+                                        </p:tgtEl>
+                                        <p:attrNameLst>
+                                          <p:attrName>style.visibility</p:attrName>
+                                        </p:attrNameLst>
+                                      </p:cBhvr>
+                                      <p:to>
+                                        <p:strVal val="visible"/>
+                                      </p:to>
+                                    </p:set>
+                                    <p:animEffect transition="in" filter="fade">
+                                      <p:cBhvr>
+                                        <p:cTn id="26" dur="200"/>
+                                        <p:tgtEl>
+                                          <p:spTgt spid="10"/>
+                                        </p:tgtEl>
+                                      </p:cBhvr>
+                                    </p:animEffect>
+                                  </p:childTnLst>
+                                </p:cTn>
+                              </p:par>
+                            </p:childTnLst>
+                          </p:cTn>
+                        </p:par>
+                      </p:childTnLst>
+                    </p:cTn>
+                  </p:par>
+                </p:childTnLst>
+              </p:cTn>
+              <p:prevCondLst>
+                <p:cond evt="onPrev" delay="0">
+                  <p:tgtEl>
+                    <p:sldTgt/>
+                  </p:tgtEl>
+                </p:cond>
+              </p:prevCondLst>
+              <p:nextCondLst>
+                <p:cond evt="onNext" delay="0">
+                  <p:tgtEl>
+                    <p:sldTgt/>
+                  </p:tgtEl>
+                </p:cond>
+              </p:nextCondLst>
+            </p:seq>
+          </p:childTnLst>
+        </p:cTn>
+      </p:par>
+    </p:tnLst>
+    <p:bldLst>
+      <p:bldP spid="5" grpId="0"/>
+      <p:bldP spid="5" grpId="1"/>
+      <p:bldP spid="7" grpId="0" animBg="1"/>
+      <p:bldP spid="8" grpId="0"/>
+      <p:bldP spid="8" grpId="1"/>
+      <p:bldP spid="10" grpId="0"/>
+    </p:bldLst>
+  </p:timing>
 </p:sld>
 </file>
 
@@ -7922,9 +8528,9 @@
         <p:grpSpPr>
           <a:xfrm>
             <a:off x="533400" y="3957935"/>
-            <a:ext cx="8001000" cy="842665"/>
+            <a:ext cx="8534400" cy="842665"/>
             <a:chOff x="533400" y="2895600"/>
-            <a:chExt cx="8001000" cy="842665"/>
+            <a:chExt cx="8534400" cy="842665"/>
           </a:xfrm>
         </p:grpSpPr>
         <p:sp>
@@ -8001,7 +8607,7 @@
           <p:spPr>
             <a:xfrm>
               <a:off x="1447800" y="3052465"/>
-              <a:ext cx="7086600" cy="685800"/>
+              <a:ext cx="7620000" cy="685800"/>
             </a:xfrm>
             <a:prstGeom prst="rect">
               <a:avLst/>
@@ -8032,7 +8638,7 @@
             <a:lstStyle/>
             <a:p>
               <a:r>
-                <a:rPr lang="en-US" sz="2400" b="1" dirty="0">
+                <a:rPr lang="en-US" sz="2300" b="1" dirty="0">
                   <a:solidFill>
                     <a:schemeClr val="tx1"/>
                   </a:solidFill>
@@ -8043,14 +8649,14 @@
                 <a:t>Women are the primary sources </a:t>
               </a:r>
               <a:r>
-                <a:rPr lang="en-US" sz="2400" dirty="0">
+                <a:rPr lang="en-US" sz="2300" dirty="0">
                   <a:solidFill>
                     <a:schemeClr val="tx1"/>
                   </a:solidFill>
                 </a:rPr>
                 <a:t>(despite cultural objections)</a:t>
               </a:r>
-              <a:endParaRPr lang="en-US" sz="2400" b="1" dirty="0">
+              <a:endParaRPr lang="en-US" sz="2300" b="1" dirty="0">
                 <a:solidFill>
                   <a:schemeClr val="tx1"/>
                 </a:solidFill>

--- a/companion-website/public/files/25. Facts 3 and 4.pptx
+++ b/companion-website/public/files/25. Facts 3 and 4.pptx
@@ -217,7 +217,7 @@
           <a:p>
             <a:fld id="{8F7EB338-8BB0-B64B-9F79-C87EA24D723F}" type="datetimeFigureOut">
               <a:rPr lang="en-US" smtClean="0"/>
-              <a:t>12/12/2020</a:t>
+              <a:t>12/14/2020</a:t>
             </a:fld>
             <a:endParaRPr lang="en-US"/>
           </a:p>
@@ -920,7 +920,7 @@
             <a:fld id="{DBE77699-C466-4996-ADED-71C8160E04A2}" type="datetimeFigureOut">
               <a:rPr lang="en-US" smtClean="0"/>
               <a:pPr/>
-              <a:t>12/12/2020</a:t>
+              <a:t>12/14/2020</a:t>
             </a:fld>
             <a:endParaRPr lang="en-US"/>
           </a:p>
@@ -1085,7 +1085,7 @@
             <a:fld id="{DBE77699-C466-4996-ADED-71C8160E04A2}" type="datetimeFigureOut">
               <a:rPr lang="en-US" smtClean="0"/>
               <a:pPr/>
-              <a:t>12/12/2020</a:t>
+              <a:t>12/14/2020</a:t>
             </a:fld>
             <a:endParaRPr lang="en-US"/>
           </a:p>
@@ -1260,7 +1260,7 @@
             <a:fld id="{DBE77699-C466-4996-ADED-71C8160E04A2}" type="datetimeFigureOut">
               <a:rPr lang="en-US" smtClean="0"/>
               <a:pPr/>
-              <a:t>12/12/2020</a:t>
+              <a:t>12/14/2020</a:t>
             </a:fld>
             <a:endParaRPr lang="en-US"/>
           </a:p>
@@ -1379,7 +1379,7 @@
             <a:fld id="{DBE77699-C466-4996-ADED-71C8160E04A2}" type="datetimeFigureOut">
               <a:rPr lang="en-US" smtClean="0"/>
               <a:pPr/>
-              <a:t>12/12/2020</a:t>
+              <a:t>12/14/2020</a:t>
             </a:fld>
             <a:endParaRPr lang="en-US"/>
           </a:p>
@@ -1787,7 +1787,7 @@
             <a:fld id="{DBE77699-C466-4996-ADED-71C8160E04A2}" type="datetimeFigureOut">
               <a:rPr lang="en-US" smtClean="0"/>
               <a:pPr/>
-              <a:t>12/12/2020</a:t>
+              <a:t>12/14/2020</a:t>
             </a:fld>
             <a:endParaRPr lang="en-US"/>
           </a:p>
@@ -2029,7 +2029,7 @@
             <a:fld id="{DBE77699-C466-4996-ADED-71C8160E04A2}" type="datetimeFigureOut">
               <a:rPr lang="en-US" smtClean="0"/>
               <a:pPr/>
-              <a:t>12/12/2020</a:t>
+              <a:t>12/14/2020</a:t>
             </a:fld>
             <a:endParaRPr lang="en-US"/>
           </a:p>
@@ -2311,7 +2311,7 @@
             <a:fld id="{DBE77699-C466-4996-ADED-71C8160E04A2}" type="datetimeFigureOut">
               <a:rPr lang="en-US" smtClean="0"/>
               <a:pPr/>
-              <a:t>12/12/2020</a:t>
+              <a:t>12/14/2020</a:t>
             </a:fld>
             <a:endParaRPr lang="en-US"/>
           </a:p>
@@ -2727,7 +2727,7 @@
             <a:fld id="{DBE77699-C466-4996-ADED-71C8160E04A2}" type="datetimeFigureOut">
               <a:rPr lang="en-US" smtClean="0"/>
               <a:pPr/>
-              <a:t>12/12/2020</a:t>
+              <a:t>12/14/2020</a:t>
             </a:fld>
             <a:endParaRPr lang="en-US"/>
           </a:p>
@@ -2841,7 +2841,7 @@
             <a:fld id="{DBE77699-C466-4996-ADED-71C8160E04A2}" type="datetimeFigureOut">
               <a:rPr lang="en-US" smtClean="0"/>
               <a:pPr/>
-              <a:t>12/12/2020</a:t>
+              <a:t>12/14/2020</a:t>
             </a:fld>
             <a:endParaRPr lang="en-US"/>
           </a:p>
@@ -2933,7 +2933,7 @@
             <a:fld id="{DBE77699-C466-4996-ADED-71C8160E04A2}" type="datetimeFigureOut">
               <a:rPr lang="en-US" smtClean="0"/>
               <a:pPr/>
-              <a:t>12/12/2020</a:t>
+              <a:t>12/14/2020</a:t>
             </a:fld>
             <a:endParaRPr lang="en-US"/>
           </a:p>
@@ -3205,7 +3205,7 @@
             <a:fld id="{DBE77699-C466-4996-ADED-71C8160E04A2}" type="datetimeFigureOut">
               <a:rPr lang="en-US" smtClean="0"/>
               <a:pPr/>
-              <a:t>12/12/2020</a:t>
+              <a:t>12/14/2020</a:t>
             </a:fld>
             <a:endParaRPr lang="en-US"/>
           </a:p>
@@ -3454,7 +3454,7 @@
             <a:fld id="{DBE77699-C466-4996-ADED-71C8160E04A2}" type="datetimeFigureOut">
               <a:rPr lang="en-US" smtClean="0"/>
               <a:pPr/>
-              <a:t>12/12/2020</a:t>
+              <a:t>12/14/2020</a:t>
             </a:fld>
             <a:endParaRPr lang="en-US"/>
           </a:p>
@@ -3665,7 +3665,7 @@
             <a:fld id="{DBE77699-C466-4996-ADED-71C8160E04A2}" type="datetimeFigureOut">
               <a:rPr lang="en-US" smtClean="0"/>
               <a:pPr/>
-              <a:t>12/12/2020</a:t>
+              <a:t>12/14/2020</a:t>
             </a:fld>
             <a:endParaRPr lang="en-US"/>
           </a:p>
@@ -4873,7 +4873,7 @@
 </file>
 
 <file path=ppt/slides/slide10.xml><?xml version="1.0" encoding="utf-8"?>
-<p:sld xmlns:a="http://schemas.openxmlformats.org/drawingml/2006/main" xmlns:r="http://schemas.openxmlformats.org/officeDocument/2006/relationships" xmlns:p="http://schemas.openxmlformats.org/presentationml/2006/main" show="0">
+<p:sld xmlns:a="http://schemas.openxmlformats.org/drawingml/2006/main" xmlns:r="http://schemas.openxmlformats.org/officeDocument/2006/relationships" xmlns:p="http://schemas.openxmlformats.org/presentationml/2006/main">
   <p:cSld>
     <p:spTree>
       <p:nvGrpSpPr>
@@ -5808,17 +5808,6 @@
                 <a:t>Early records indicate </a:t>
               </a:r>
               <a:r>
-                <a:rPr lang="en-US" sz="2400" dirty="0">
-                  <a:solidFill>
-                    <a:schemeClr val="tx1"/>
-                  </a:solidFill>
-                  <a:highlight>
-                    <a:srgbClr val="C00002"/>
-                  </a:highlight>
-                </a:rPr>
-                <a:t> </a:t>
-              </a:r>
-              <a:r>
                 <a:rPr lang="en-US" sz="2400" b="1" dirty="0">
                   <a:solidFill>
                     <a:schemeClr val="tx1"/>
@@ -5976,17 +5965,6 @@
                   </a:solidFill>
                 </a:rPr>
                 <a:t>Was </a:t>
-              </a:r>
-              <a:r>
-                <a:rPr lang="en-US" sz="2400" dirty="0">
-                  <a:solidFill>
-                    <a:schemeClr val="tx1"/>
-                  </a:solidFill>
-                  <a:highlight>
-                    <a:srgbClr val="C00002"/>
-                  </a:highlight>
-                </a:rPr>
-                <a:t> </a:t>
               </a:r>
               <a:r>
                 <a:rPr lang="en-US" sz="2400" b="1" dirty="0">
@@ -6148,17 +6126,6 @@
                 <a:t>Became a </a:t>
               </a:r>
               <a:r>
-                <a:rPr lang="en-US" sz="2400" dirty="0">
-                  <a:solidFill>
-                    <a:schemeClr val="tx1"/>
-                  </a:solidFill>
-                  <a:highlight>
-                    <a:srgbClr val="C00002"/>
-                  </a:highlight>
-                </a:rPr>
-                <a:t> </a:t>
-              </a:r>
-              <a:r>
                 <a:rPr lang="en-US" sz="2400" b="1" dirty="0">
                   <a:solidFill>
                     <a:schemeClr val="tx1"/>
@@ -6316,17 +6283,6 @@
                   </a:solidFill>
                 </a:rPr>
                 <a:t>Suffered and was </a:t>
-              </a:r>
-              <a:r>
-                <a:rPr lang="en-US" sz="2400" dirty="0">
-                  <a:solidFill>
-                    <a:schemeClr val="tx1"/>
-                  </a:solidFill>
-                  <a:highlight>
-                    <a:srgbClr val="C00002"/>
-                  </a:highlight>
-                </a:rPr>
-                <a:t> </a:t>
               </a:r>
               <a:r>
                 <a:rPr lang="en-US" sz="2400" b="1" dirty="0">
@@ -7104,17 +7060,6 @@
                 <a:t>Early records indicate </a:t>
               </a:r>
               <a:r>
-                <a:rPr lang="en-US" sz="2400" dirty="0">
-                  <a:solidFill>
-                    <a:schemeClr val="tx1"/>
-                  </a:solidFill>
-                  <a:highlight>
-                    <a:srgbClr val="C00002"/>
-                  </a:highlight>
-                </a:rPr>
-                <a:t> </a:t>
-              </a:r>
-              <a:r>
                 <a:rPr lang="en-US" sz="2400" b="1" dirty="0">
                   <a:solidFill>
                     <a:schemeClr val="tx1"/>
@@ -7272,17 +7217,6 @@
                   </a:solidFill>
                 </a:rPr>
                 <a:t>Was </a:t>
-              </a:r>
-              <a:r>
-                <a:rPr lang="en-US" sz="2400" dirty="0">
-                  <a:solidFill>
-                    <a:schemeClr val="tx1"/>
-                  </a:solidFill>
-                  <a:highlight>
-                    <a:srgbClr val="C00002"/>
-                  </a:highlight>
-                </a:rPr>
-                <a:t> </a:t>
               </a:r>
               <a:r>
                 <a:rPr lang="en-US" sz="2400" b="1" dirty="0">
@@ -7452,17 +7386,6 @@
                 <a:t>Became a </a:t>
               </a:r>
               <a:r>
-                <a:rPr lang="en-US" sz="2400" dirty="0">
-                  <a:solidFill>
-                    <a:schemeClr val="tx1"/>
-                  </a:solidFill>
-                  <a:highlight>
-                    <a:srgbClr val="C00002"/>
-                  </a:highlight>
-                </a:rPr>
-                <a:t> </a:t>
-              </a:r>
-              <a:r>
                 <a:rPr lang="en-US" sz="2400" b="1" dirty="0">
                   <a:solidFill>
                     <a:schemeClr val="tx1"/>
@@ -7620,17 +7543,6 @@
                   </a:solidFill>
                 </a:rPr>
                 <a:t>Suffered and was </a:t>
-              </a:r>
-              <a:r>
-                <a:rPr lang="en-US" sz="2400" dirty="0">
-                  <a:solidFill>
-                    <a:schemeClr val="tx1"/>
-                  </a:solidFill>
-                  <a:highlight>
-                    <a:srgbClr val="C00002"/>
-                  </a:highlight>
-                </a:rPr>
-                <a:t> </a:t>
               </a:r>
               <a:r>
                 <a:rPr lang="en-US" sz="2400" b="1" dirty="0">
@@ -8312,7 +8224,7 @@
                     <a:srgbClr val="C00002"/>
                   </a:highlight>
                 </a:rPr>
-                <a:t>Enemies attest </a:t>
+                <a:t>Enemies attest</a:t>
               </a:r>
               <a:r>
                 <a:rPr lang="en-US" sz="2400" dirty="0">
@@ -8476,17 +8388,6 @@
                 <a:t>Resurrection taught in the city </a:t>
               </a:r>
               <a:r>
-                <a:rPr lang="en-US" sz="2400" dirty="0">
-                  <a:solidFill>
-                    <a:schemeClr val="tx1"/>
-                  </a:solidFill>
-                  <a:highlight>
-                    <a:srgbClr val="C00002"/>
-                  </a:highlight>
-                </a:rPr>
-                <a:t> </a:t>
-              </a:r>
-              <a:r>
                 <a:rPr lang="en-US" sz="2400" b="1" dirty="0">
                   <a:solidFill>
                     <a:schemeClr val="tx1"/>
@@ -8646,7 +8547,7 @@
                     <a:srgbClr val="C00002"/>
                   </a:highlight>
                 </a:rPr>
-                <a:t>Women are the primary sources </a:t>
+                <a:t>Women are the primary sources</a:t>
               </a:r>
               <a:r>
                 <a:rPr lang="en-US" sz="2300" dirty="0">
@@ -8654,7 +8555,7 @@
                     <a:schemeClr val="tx1"/>
                   </a:solidFill>
                 </a:rPr>
-                <a:t>(despite cultural objections)</a:t>
+                <a:t> (despite cultural objections)</a:t>
               </a:r>
               <a:endParaRPr lang="en-US" sz="2300" b="1" dirty="0">
                 <a:solidFill>
